--- a/Roundtable Presentation/Roundtable Presentations.pptx
+++ b/Roundtable Presentation/Roundtable Presentations.pptx
@@ -1010,7 +1010,7 @@
   <p:cSld>
     <p:spTree>
       <p:nvGrpSpPr>
-        <p:cNvPr id="73" name="Shape 73"/>
+        <p:cNvPr id="72" name="Shape 72"/>
         <p:cNvGrpSpPr/>
         <p:nvPr/>
       </p:nvGrpSpPr>
@@ -1024,7 +1024,7 @@
       </p:grpSpPr>
       <p:sp>
         <p:nvSpPr>
-          <p:cNvPr id="74" name="Google Shape;74;gd0b877e989_1_12:notes"/>
+          <p:cNvPr id="73" name="Google Shape;73;gd0b877e989_1_12:notes"/>
           <p:cNvSpPr/>
           <p:nvPr>
             <p:ph idx="2" type="sldImg"/>
@@ -1059,7 +1059,7 @@
       </p:sp>
       <p:sp>
         <p:nvSpPr>
-          <p:cNvPr id="75" name="Google Shape;75;gd0b877e989_1_12:notes"/>
+          <p:cNvPr id="74" name="Google Shape;74;gd0b877e989_1_12:notes"/>
           <p:cNvSpPr txBox="1"/>
           <p:nvPr>
             <p:ph idx="1" type="body"/>
@@ -1109,7 +1109,7 @@
   <p:cSld>
     <p:spTree>
       <p:nvGrpSpPr>
-        <p:cNvPr id="78" name="Shape 78"/>
+        <p:cNvPr id="77" name="Shape 77"/>
         <p:cNvGrpSpPr/>
         <p:nvPr/>
       </p:nvGrpSpPr>
@@ -1123,7 +1123,7 @@
       </p:grpSpPr>
       <p:sp>
         <p:nvSpPr>
-          <p:cNvPr id="79" name="Google Shape;79;gd0b877e989_1_18:notes"/>
+          <p:cNvPr id="78" name="Google Shape;78;gd0b877e989_1_18:notes"/>
           <p:cNvSpPr/>
           <p:nvPr>
             <p:ph idx="2" type="sldImg"/>
@@ -1158,7 +1158,7 @@
       </p:sp>
       <p:sp>
         <p:nvSpPr>
-          <p:cNvPr id="80" name="Google Shape;80;gd0b877e989_1_18:notes"/>
+          <p:cNvPr id="79" name="Google Shape;79;gd0b877e989_1_18:notes"/>
           <p:cNvSpPr txBox="1"/>
           <p:nvPr>
             <p:ph idx="1" type="body"/>
@@ -1208,7 +1208,7 @@
   <p:cSld>
     <p:spTree>
       <p:nvGrpSpPr>
-        <p:cNvPr id="84" name="Shape 84"/>
+        <p:cNvPr id="83" name="Shape 83"/>
         <p:cNvGrpSpPr/>
         <p:nvPr/>
       </p:nvGrpSpPr>
@@ -1222,7 +1222,7 @@
       </p:grpSpPr>
       <p:sp>
         <p:nvSpPr>
-          <p:cNvPr id="85" name="Google Shape;85;gd0b877e989_1_26:notes"/>
+          <p:cNvPr id="84" name="Google Shape;84;gd0b877e989_1_26:notes"/>
           <p:cNvSpPr/>
           <p:nvPr>
             <p:ph idx="2" type="sldImg"/>
@@ -1257,7 +1257,7 @@
       </p:sp>
       <p:sp>
         <p:nvSpPr>
-          <p:cNvPr id="86" name="Google Shape;86;gd0b877e989_1_26:notes"/>
+          <p:cNvPr id="85" name="Google Shape;85;gd0b877e989_1_26:notes"/>
           <p:cNvSpPr txBox="1"/>
           <p:nvPr>
             <p:ph idx="1" type="body"/>
@@ -1307,7 +1307,7 @@
   <p:cSld>
     <p:spTree>
       <p:nvGrpSpPr>
-        <p:cNvPr id="89" name="Shape 89"/>
+        <p:cNvPr id="88" name="Shape 88"/>
         <p:cNvGrpSpPr/>
         <p:nvPr/>
       </p:nvGrpSpPr>
@@ -1321,7 +1321,7 @@
       </p:grpSpPr>
       <p:sp>
         <p:nvSpPr>
-          <p:cNvPr id="90" name="Google Shape;90;gd0b877e989_1_32:notes"/>
+          <p:cNvPr id="89" name="Google Shape;89;gd0b877e989_1_32:notes"/>
           <p:cNvSpPr/>
           <p:nvPr>
             <p:ph idx="2" type="sldImg"/>
@@ -1356,7 +1356,7 @@
       </p:sp>
       <p:sp>
         <p:nvSpPr>
-          <p:cNvPr id="91" name="Google Shape;91;gd0b877e989_1_32:notes"/>
+          <p:cNvPr id="90" name="Google Shape;90;gd0b877e989_1_32:notes"/>
           <p:cNvSpPr txBox="1"/>
           <p:nvPr>
             <p:ph idx="1" type="body"/>
@@ -7116,7 +7116,7 @@
             </a:pPr>
             <a:r>
               <a:rPr lang="en" sz="2500"/>
-              <a:t>Presentations</a:t>
+              <a:t>Presentation</a:t>
             </a:r>
             <a:endParaRPr sz="2500"/>
           </a:p>
@@ -7258,7 +7258,7 @@
         </p:blipFill>
         <p:spPr>
           <a:xfrm>
-            <a:off x="1241987" y="558250"/>
+            <a:off x="3022349" y="1232825"/>
             <a:ext cx="3099325" cy="2324500"/>
           </a:xfrm>
           <a:prstGeom prst="rect">
@@ -7278,7 +7278,7 @@
         </p:nvSpPr>
         <p:spPr>
           <a:xfrm>
-            <a:off x="1484700" y="2970350"/>
+            <a:off x="3265063" y="3644925"/>
             <a:ext cx="2613900" cy="354000"/>
           </a:xfrm>
           <a:prstGeom prst="rect">
@@ -7312,34 +7312,6 @@
           </a:p>
         </p:txBody>
       </p:sp>
-      <p:pic>
-        <p:nvPicPr>
-          <p:cNvPr id="72" name="Google Shape;72;p15"/>
-          <p:cNvPicPr preferRelativeResize="0"/>
-          <p:nvPr/>
-        </p:nvPicPr>
-        <p:blipFill>
-          <a:blip r:embed="rId5">
-            <a:alphaModFix/>
-          </a:blip>
-          <a:stretch>
-            <a:fillRect/>
-          </a:stretch>
-        </p:blipFill>
-        <p:spPr>
-          <a:xfrm>
-            <a:off x="4858438" y="558250"/>
-            <a:ext cx="3043576" cy="4027001"/>
-          </a:xfrm>
-          <a:prstGeom prst="rect">
-            <a:avLst/>
-          </a:prstGeom>
-          <a:noFill/>
-          <a:ln>
-            <a:noFill/>
-          </a:ln>
-        </p:spPr>
-      </p:pic>
     </p:spTree>
   </p:cSld>
   <p:clrMapOvr>
@@ -7353,7 +7325,7 @@
   <p:cSld>
     <p:spTree>
       <p:nvGrpSpPr>
-        <p:cNvPr id="76" name="Shape 76"/>
+        <p:cNvPr id="75" name="Shape 75"/>
         <p:cNvGrpSpPr/>
         <p:nvPr/>
       </p:nvGrpSpPr>
@@ -7367,7 +7339,7 @@
       </p:grpSpPr>
       <p:pic>
         <p:nvPicPr>
-          <p:cNvPr id="77" name="Google Shape;77;p16"/>
+          <p:cNvPr id="76" name="Google Shape;76;p16"/>
           <p:cNvPicPr preferRelativeResize="0"/>
           <p:nvPr/>
         </p:nvPicPr>
@@ -7380,9 +7352,9 @@
           </a:stretch>
         </p:blipFill>
         <p:spPr>
-          <a:xfrm>
-            <a:off x="1343925" y="152400"/>
-            <a:ext cx="6456150" cy="4838700"/>
+          <a:xfrm rot="-5400000">
+            <a:off x="2629075" y="236725"/>
+            <a:ext cx="3885835" cy="4838701"/>
           </a:xfrm>
           <a:prstGeom prst="rect">
             <a:avLst/>
@@ -7406,7 +7378,7 @@
   <p:cSld>
     <p:spTree>
       <p:nvGrpSpPr>
-        <p:cNvPr id="81" name="Shape 81"/>
+        <p:cNvPr id="80" name="Shape 80"/>
         <p:cNvGrpSpPr/>
         <p:nvPr/>
       </p:nvGrpSpPr>
@@ -7420,7 +7392,7 @@
       </p:grpSpPr>
       <p:pic>
         <p:nvPicPr>
-          <p:cNvPr id="82" name="Google Shape;82;p17"/>
+          <p:cNvPr id="81" name="Google Shape;81;p17"/>
           <p:cNvPicPr preferRelativeResize="0"/>
           <p:nvPr/>
         </p:nvPicPr>
@@ -7434,8 +7406,8 @@
         </p:blipFill>
         <p:spPr>
           <a:xfrm>
-            <a:off x="5048650" y="181600"/>
-            <a:ext cx="3351476" cy="4780300"/>
+            <a:off x="2205150" y="152400"/>
+            <a:ext cx="2290053" cy="4838700"/>
           </a:xfrm>
           <a:prstGeom prst="rect">
             <a:avLst/>
@@ -7448,7 +7420,7 @@
       </p:pic>
       <p:pic>
         <p:nvPicPr>
-          <p:cNvPr id="83" name="Google Shape;83;p17"/>
+          <p:cNvPr id="82" name="Google Shape;82;p17"/>
           <p:cNvPicPr preferRelativeResize="0"/>
           <p:nvPr/>
         </p:nvPicPr>
@@ -7462,8 +7434,8 @@
         </p:blipFill>
         <p:spPr>
           <a:xfrm>
-            <a:off x="152400" y="1237538"/>
-            <a:ext cx="4743850" cy="2668415"/>
+            <a:off x="4647603" y="152400"/>
+            <a:ext cx="2291239" cy="4838702"/>
           </a:xfrm>
           <a:prstGeom prst="rect">
             <a:avLst/>
@@ -7487,7 +7459,7 @@
   <p:cSld>
     <p:spTree>
       <p:nvGrpSpPr>
-        <p:cNvPr id="87" name="Shape 87"/>
+        <p:cNvPr id="86" name="Shape 86"/>
         <p:cNvGrpSpPr/>
         <p:nvPr/>
       </p:nvGrpSpPr>
@@ -7501,7 +7473,7 @@
       </p:grpSpPr>
       <p:pic>
         <p:nvPicPr>
-          <p:cNvPr id="88" name="Google Shape;88;p18"/>
+          <p:cNvPr id="87" name="Google Shape;87;p18"/>
           <p:cNvPicPr preferRelativeResize="0"/>
           <p:nvPr/>
         </p:nvPicPr>
@@ -7540,7 +7512,7 @@
   <p:cSld>
     <p:spTree>
       <p:nvGrpSpPr>
-        <p:cNvPr id="92" name="Shape 92"/>
+        <p:cNvPr id="91" name="Shape 91"/>
         <p:cNvGrpSpPr/>
         <p:nvPr/>
       </p:nvGrpSpPr>
@@ -7552,43 +7524,15 @@
           <a:chExt cx="0" cy="0"/>
         </a:xfrm>
       </p:grpSpPr>
-      <p:pic>
-        <p:nvPicPr>
-          <p:cNvPr id="93" name="Google Shape;93;p19"/>
-          <p:cNvPicPr preferRelativeResize="0"/>
-          <p:nvPr/>
-        </p:nvPicPr>
-        <p:blipFill>
-          <a:blip r:embed="rId3">
-            <a:alphaModFix/>
-          </a:blip>
-          <a:stretch>
-            <a:fillRect/>
-          </a:stretch>
-        </p:blipFill>
-        <p:spPr>
-          <a:xfrm>
-            <a:off x="5169425" y="152400"/>
-            <a:ext cx="3138616" cy="4838700"/>
-          </a:xfrm>
-          <a:prstGeom prst="rect">
-            <a:avLst/>
-          </a:prstGeom>
-          <a:noFill/>
-          <a:ln>
-            <a:noFill/>
-          </a:ln>
-        </p:spPr>
-      </p:pic>
       <p:sp>
         <p:nvSpPr>
-          <p:cNvPr id="94" name="Google Shape;94;p19"/>
+          <p:cNvPr id="92" name="Google Shape;92;p19"/>
           <p:cNvSpPr txBox="1"/>
           <p:nvPr/>
         </p:nvSpPr>
         <p:spPr>
           <a:xfrm>
-            <a:off x="411050" y="664025"/>
+            <a:off x="2644350" y="484413"/>
             <a:ext cx="3855300" cy="1046700"/>
           </a:xfrm>
           <a:prstGeom prst="rect">
@@ -7619,7 +7563,7 @@
                 <a:solidFill>
                   <a:schemeClr val="hlink"/>
                 </a:solidFill>
-                <a:hlinkClick r:id="rId4"/>
+                <a:hlinkClick r:id="rId3"/>
               </a:rPr>
               <a:t>https://waqi.info</a:t>
             </a:r>
@@ -7640,7 +7584,7 @@
                 <a:solidFill>
                   <a:schemeClr val="hlink"/>
                 </a:solidFill>
-                <a:hlinkClick r:id="rId5"/>
+                <a:hlinkClick r:id="rId4"/>
               </a:rPr>
               <a:t>https://www.breezometer.com/air-quality-map/</a:t>
             </a:r>
@@ -7665,12 +7609,12 @@
       </p:sp>
       <p:pic>
         <p:nvPicPr>
-          <p:cNvPr id="95" name="Google Shape;95;p19"/>
+          <p:cNvPr id="93" name="Google Shape;93;p19"/>
           <p:cNvPicPr preferRelativeResize="0"/>
           <p:nvPr/>
         </p:nvPicPr>
         <p:blipFill>
-          <a:blip r:embed="rId6">
+          <a:blip r:embed="rId5">
             <a:alphaModFix/>
           </a:blip>
           <a:stretch>
@@ -7679,8 +7623,8 @@
         </p:blipFill>
         <p:spPr>
           <a:xfrm>
-            <a:off x="162925" y="1710725"/>
-            <a:ext cx="4738151" cy="2624207"/>
+            <a:off x="2717313" y="1531113"/>
+            <a:ext cx="3709373" cy="3127973"/>
           </a:xfrm>
           <a:prstGeom prst="rect">
             <a:avLst/>
@@ -7700,6 +7644,285 @@
 </file>
 
 <file path=ppt/theme/theme1.xml><?xml version="1.0" encoding="utf-8"?>
+<a:theme xmlns:a="http://schemas.openxmlformats.org/drawingml/2006/main" xmlns:r="http://schemas.openxmlformats.org/officeDocument/2006/relationships">
+  <a:themeElements>
+    <a:clrScheme name="Default">
+      <a:dk1>
+        <a:srgbClr val="000000"/>
+      </a:dk1>
+      <a:lt1>
+        <a:srgbClr val="FFFFFF"/>
+      </a:lt1>
+      <a:dk2>
+        <a:srgbClr val="158158"/>
+      </a:dk2>
+      <a:lt2>
+        <a:srgbClr val="F3F3F3"/>
+      </a:lt2>
+      <a:accent1>
+        <a:srgbClr val="058DC7"/>
+      </a:accent1>
+      <a:accent2>
+        <a:srgbClr val="50B432"/>
+      </a:accent2>
+      <a:accent3>
+        <a:srgbClr val="ED561B"/>
+      </a:accent3>
+      <a:accent4>
+        <a:srgbClr val="EDEF00"/>
+      </a:accent4>
+      <a:accent5>
+        <a:srgbClr val="24CBE5"/>
+      </a:accent5>
+      <a:accent6>
+        <a:srgbClr val="64E572"/>
+      </a:accent6>
+      <a:hlink>
+        <a:srgbClr val="2200CC"/>
+      </a:hlink>
+      <a:folHlink>
+        <a:srgbClr val="551A8B"/>
+      </a:folHlink>
+    </a:clrScheme>
+    <a:fontScheme name="Office">
+      <a:majorFont>
+        <a:latin typeface="Arial"/>
+        <a:ea typeface=""/>
+        <a:cs typeface=""/>
+        <a:font script="Jpan" typeface="ＭＳ Ｐゴシック"/>
+        <a:font script="Hang" typeface="맑은 고딕"/>
+        <a:font script="Hans" typeface="宋体"/>
+        <a:font script="Hant" typeface="新細明體"/>
+        <a:font script="Arab" typeface="Times New Roman"/>
+        <a:font script="Hebr" typeface="Times New Roman"/>
+        <a:font script="Thai" typeface="Angsana New"/>
+        <a:font script="Ethi" typeface="Nyala"/>
+        <a:font script="Beng" typeface="Vrinda"/>
+        <a:font script="Gujr" typeface="Shruti"/>
+        <a:font script="Khmr" typeface="MoolBoran"/>
+        <a:font script="Knda" typeface="Tunga"/>
+        <a:font script="Guru" typeface="Raavi"/>
+        <a:font script="Cans" typeface="Euphemia"/>
+        <a:font script="Cher" typeface="Plantagenet Cherokee"/>
+        <a:font script="Yiii" typeface="Microsoft Yi Baiti"/>
+        <a:font script="Tibt" typeface="Microsoft Himalaya"/>
+        <a:font script="Thaa" typeface="MV Boli"/>
+        <a:font script="Deva" typeface="Mangal"/>
+        <a:font script="Telu" typeface="Gautami"/>
+        <a:font script="Taml" typeface="Latha"/>
+        <a:font script="Syrc" typeface="Estrangelo Edessa"/>
+        <a:font script="Orya" typeface="Kalinga"/>
+        <a:font script="Mlym" typeface="Kartika"/>
+        <a:font script="Laoo" typeface="DokChampa"/>
+        <a:font script="Sinh" typeface="Iskoola Pota"/>
+        <a:font script="Mong" typeface="Mongolian Baiti"/>
+        <a:font script="Viet" typeface="Times New Roman"/>
+        <a:font script="Uigh" typeface="Microsoft Uighur"/>
+        <a:font script="Geor" typeface="Sylfaen"/>
+      </a:majorFont>
+      <a:minorFont>
+        <a:latin typeface="Arial"/>
+        <a:ea typeface=""/>
+        <a:cs typeface=""/>
+        <a:font script="Jpan" typeface="ＭＳ Ｐゴシック"/>
+        <a:font script="Hang" typeface="맑은 고딕"/>
+        <a:font script="Hans" typeface="宋体"/>
+        <a:font script="Hant" typeface="新細明體"/>
+        <a:font script="Arab" typeface="Arial"/>
+        <a:font script="Hebr" typeface="Arial"/>
+        <a:font script="Thai" typeface="Cordia New"/>
+        <a:font script="Ethi" typeface="Nyala"/>
+        <a:font script="Beng" typeface="Vrinda"/>
+        <a:font script="Gujr" typeface="Shruti"/>
+        <a:font script="Khmr" typeface="DaunPenh"/>
+        <a:font script="Knda" typeface="Tunga"/>
+        <a:font script="Guru" typeface="Raavi"/>
+        <a:font script="Cans" typeface="Euphemia"/>
+        <a:font script="Cher" typeface="Plantagenet Cherokee"/>
+        <a:font script="Yiii" typeface="Microsoft Yi Baiti"/>
+        <a:font script="Tibt" typeface="Microsoft Himalaya"/>
+        <a:font script="Thaa" typeface="MV Boli"/>
+        <a:font script="Deva" typeface="Mangal"/>
+        <a:font script="Telu" typeface="Gautami"/>
+        <a:font script="Taml" typeface="Latha"/>
+        <a:font script="Syrc" typeface="Estrangelo Edessa"/>
+        <a:font script="Orya" typeface="Kalinga"/>
+        <a:font script="Mlym" typeface="Kartika"/>
+        <a:font script="Laoo" typeface="DokChampa"/>
+        <a:font script="Sinh" typeface="Iskoola Pota"/>
+        <a:font script="Mong" typeface="Mongolian Baiti"/>
+        <a:font script="Viet" typeface="Arial"/>
+        <a:font script="Uigh" typeface="Microsoft Uighur"/>
+        <a:font script="Geor" typeface="Sylfaen"/>
+      </a:minorFont>
+    </a:fontScheme>
+    <a:fmtScheme name="Office">
+      <a:fillStyleLst>
+        <a:solidFill>
+          <a:schemeClr val="phClr"/>
+        </a:solidFill>
+        <a:gradFill rotWithShape="1">
+          <a:gsLst>
+            <a:gs pos="0">
+              <a:schemeClr val="phClr">
+                <a:tint val="50000"/>
+                <a:satMod val="300000"/>
+              </a:schemeClr>
+            </a:gs>
+            <a:gs pos="35000">
+              <a:schemeClr val="phClr">
+                <a:tint val="37000"/>
+                <a:satMod val="300000"/>
+              </a:schemeClr>
+            </a:gs>
+            <a:gs pos="100000">
+              <a:schemeClr val="phClr">
+                <a:tint val="15000"/>
+                <a:satMod val="350000"/>
+              </a:schemeClr>
+            </a:gs>
+          </a:gsLst>
+          <a:lin ang="16200000" scaled="1"/>
+        </a:gradFill>
+        <a:gradFill rotWithShape="1">
+          <a:gsLst>
+            <a:gs pos="0">
+              <a:schemeClr val="phClr">
+                <a:tint val="100000"/>
+                <a:shade val="100000"/>
+                <a:satMod val="130000"/>
+              </a:schemeClr>
+            </a:gs>
+            <a:gs pos="100000">
+              <a:schemeClr val="phClr">
+                <a:tint val="50000"/>
+                <a:shade val="100000"/>
+                <a:satMod val="350000"/>
+              </a:schemeClr>
+            </a:gs>
+          </a:gsLst>
+          <a:lin ang="16200000" scaled="0"/>
+        </a:gradFill>
+      </a:fillStyleLst>
+      <a:lnStyleLst>
+        <a:ln w="9525" cap="flat" cmpd="sng" algn="ctr">
+          <a:solidFill>
+            <a:schemeClr val="phClr">
+              <a:shade val="95000"/>
+              <a:satMod val="105000"/>
+            </a:schemeClr>
+          </a:solidFill>
+          <a:prstDash val="solid"/>
+        </a:ln>
+        <a:ln w="25400" cap="flat" cmpd="sng" algn="ctr">
+          <a:solidFill>
+            <a:schemeClr val="phClr"/>
+          </a:solidFill>
+          <a:prstDash val="solid"/>
+        </a:ln>
+        <a:ln w="38100" cap="flat" cmpd="sng" algn="ctr">
+          <a:solidFill>
+            <a:schemeClr val="phClr"/>
+          </a:solidFill>
+          <a:prstDash val="solid"/>
+        </a:ln>
+      </a:lnStyleLst>
+      <a:effectStyleLst>
+        <a:effectStyle>
+          <a:effectLst>
+            <a:outerShdw blurRad="40000" dist="20000" dir="5400000" rotWithShape="0">
+              <a:srgbClr val="000000">
+                <a:alpha val="38000"/>
+              </a:srgbClr>
+            </a:outerShdw>
+          </a:effectLst>
+        </a:effectStyle>
+        <a:effectStyle>
+          <a:effectLst>
+            <a:outerShdw blurRad="40000" dist="23000" dir="5400000" rotWithShape="0">
+              <a:srgbClr val="000000">
+                <a:alpha val="35000"/>
+              </a:srgbClr>
+            </a:outerShdw>
+          </a:effectLst>
+        </a:effectStyle>
+        <a:effectStyle>
+          <a:effectLst>
+            <a:outerShdw blurRad="40000" dist="23000" dir="5400000" rotWithShape="0">
+              <a:srgbClr val="000000">
+                <a:alpha val="35000"/>
+              </a:srgbClr>
+            </a:outerShdw>
+          </a:effectLst>
+          <a:scene3d>
+            <a:camera prst="orthographicFront">
+              <a:rot lat="0" lon="0" rev="0"/>
+            </a:camera>
+            <a:lightRig rig="threePt" dir="t">
+              <a:rot lat="0" lon="0" rev="1200000"/>
+            </a:lightRig>
+          </a:scene3d>
+          <a:sp3d>
+            <a:bevelT w="63500" h="25400"/>
+          </a:sp3d>
+        </a:effectStyle>
+      </a:effectStyleLst>
+      <a:bgFillStyleLst>
+        <a:solidFill>
+          <a:schemeClr val="phClr"/>
+        </a:solidFill>
+        <a:gradFill rotWithShape="1">
+          <a:gsLst>
+            <a:gs pos="0">
+              <a:schemeClr val="phClr">
+                <a:tint val="40000"/>
+                <a:satMod val="350000"/>
+              </a:schemeClr>
+            </a:gs>
+            <a:gs pos="40000">
+              <a:schemeClr val="phClr">
+                <a:tint val="45000"/>
+                <a:shade val="99000"/>
+                <a:satMod val="350000"/>
+              </a:schemeClr>
+            </a:gs>
+            <a:gs pos="100000">
+              <a:schemeClr val="phClr">
+                <a:shade val="20000"/>
+                <a:satMod val="255000"/>
+              </a:schemeClr>
+            </a:gs>
+          </a:gsLst>
+          <a:path path="circle">
+            <a:fillToRect l="50000" t="-80000" r="50000" b="180000"/>
+          </a:path>
+        </a:gradFill>
+        <a:gradFill rotWithShape="1">
+          <a:gsLst>
+            <a:gs pos="0">
+              <a:schemeClr val="phClr">
+                <a:tint val="80000"/>
+                <a:satMod val="300000"/>
+              </a:schemeClr>
+            </a:gs>
+            <a:gs pos="100000">
+              <a:schemeClr val="phClr">
+                <a:shade val="30000"/>
+                <a:satMod val="200000"/>
+              </a:schemeClr>
+            </a:gs>
+          </a:gsLst>
+          <a:path path="circle">
+            <a:fillToRect l="50000" t="50000" r="50000" b="50000"/>
+          </a:path>
+        </a:gradFill>
+      </a:bgFillStyleLst>
+    </a:fmtScheme>
+  </a:themeElements>
+</a:theme>
+</file>
+
+<file path=ppt/theme/theme2.xml><?xml version="1.0" encoding="utf-8"?>
 <a:theme xmlns:a="http://schemas.openxmlformats.org/drawingml/2006/main" xmlns:r="http://schemas.openxmlformats.org/officeDocument/2006/relationships" name="Coral">
   <a:themeElements>
     <a:clrScheme name="Coral">
@@ -7976,283 +8199,4 @@
     </a:fmtScheme>
   </a:themeElements>
 </a:theme>
-</file>
-
-<file path=ppt/theme/theme2.xml><?xml version="1.0" encoding="utf-8"?>
-<a:theme xmlns:a="http://schemas.openxmlformats.org/drawingml/2006/main" xmlns:r="http://schemas.openxmlformats.org/officeDocument/2006/relationships">
-  <a:themeElements>
-    <a:clrScheme name="Default">
-      <a:dk1>
-        <a:srgbClr val="000000"/>
-      </a:dk1>
-      <a:lt1>
-        <a:srgbClr val="FFFFFF"/>
-      </a:lt1>
-      <a:dk2>
-        <a:srgbClr val="158158"/>
-      </a:dk2>
-      <a:lt2>
-        <a:srgbClr val="F3F3F3"/>
-      </a:lt2>
-      <a:accent1>
-        <a:srgbClr val="058DC7"/>
-      </a:accent1>
-      <a:accent2>
-        <a:srgbClr val="50B432"/>
-      </a:accent2>
-      <a:accent3>
-        <a:srgbClr val="ED561B"/>
-      </a:accent3>
-      <a:accent4>
-        <a:srgbClr val="EDEF00"/>
-      </a:accent4>
-      <a:accent5>
-        <a:srgbClr val="24CBE5"/>
-      </a:accent5>
-      <a:accent6>
-        <a:srgbClr val="64E572"/>
-      </a:accent6>
-      <a:hlink>
-        <a:srgbClr val="2200CC"/>
-      </a:hlink>
-      <a:folHlink>
-        <a:srgbClr val="551A8B"/>
-      </a:folHlink>
-    </a:clrScheme>
-    <a:fontScheme name="Office">
-      <a:majorFont>
-        <a:latin typeface="Arial"/>
-        <a:ea typeface=""/>
-        <a:cs typeface=""/>
-        <a:font script="Jpan" typeface="ＭＳ Ｐゴシック"/>
-        <a:font script="Hang" typeface="맑은 고딕"/>
-        <a:font script="Hans" typeface="宋体"/>
-        <a:font script="Hant" typeface="新細明體"/>
-        <a:font script="Arab" typeface="Times New Roman"/>
-        <a:font script="Hebr" typeface="Times New Roman"/>
-        <a:font script="Thai" typeface="Angsana New"/>
-        <a:font script="Ethi" typeface="Nyala"/>
-        <a:font script="Beng" typeface="Vrinda"/>
-        <a:font script="Gujr" typeface="Shruti"/>
-        <a:font script="Khmr" typeface="MoolBoran"/>
-        <a:font script="Knda" typeface="Tunga"/>
-        <a:font script="Guru" typeface="Raavi"/>
-        <a:font script="Cans" typeface="Euphemia"/>
-        <a:font script="Cher" typeface="Plantagenet Cherokee"/>
-        <a:font script="Yiii" typeface="Microsoft Yi Baiti"/>
-        <a:font script="Tibt" typeface="Microsoft Himalaya"/>
-        <a:font script="Thaa" typeface="MV Boli"/>
-        <a:font script="Deva" typeface="Mangal"/>
-        <a:font script="Telu" typeface="Gautami"/>
-        <a:font script="Taml" typeface="Latha"/>
-        <a:font script="Syrc" typeface="Estrangelo Edessa"/>
-        <a:font script="Orya" typeface="Kalinga"/>
-        <a:font script="Mlym" typeface="Kartika"/>
-        <a:font script="Laoo" typeface="DokChampa"/>
-        <a:font script="Sinh" typeface="Iskoola Pota"/>
-        <a:font script="Mong" typeface="Mongolian Baiti"/>
-        <a:font script="Viet" typeface="Times New Roman"/>
-        <a:font script="Uigh" typeface="Microsoft Uighur"/>
-        <a:font script="Geor" typeface="Sylfaen"/>
-      </a:majorFont>
-      <a:minorFont>
-        <a:latin typeface="Arial"/>
-        <a:ea typeface=""/>
-        <a:cs typeface=""/>
-        <a:font script="Jpan" typeface="ＭＳ Ｐゴシック"/>
-        <a:font script="Hang" typeface="맑은 고딕"/>
-        <a:font script="Hans" typeface="宋体"/>
-        <a:font script="Hant" typeface="新細明體"/>
-        <a:font script="Arab" typeface="Arial"/>
-        <a:font script="Hebr" typeface="Arial"/>
-        <a:font script="Thai" typeface="Cordia New"/>
-        <a:font script="Ethi" typeface="Nyala"/>
-        <a:font script="Beng" typeface="Vrinda"/>
-        <a:font script="Gujr" typeface="Shruti"/>
-        <a:font script="Khmr" typeface="DaunPenh"/>
-        <a:font script="Knda" typeface="Tunga"/>
-        <a:font script="Guru" typeface="Raavi"/>
-        <a:font script="Cans" typeface="Euphemia"/>
-        <a:font script="Cher" typeface="Plantagenet Cherokee"/>
-        <a:font script="Yiii" typeface="Microsoft Yi Baiti"/>
-        <a:font script="Tibt" typeface="Microsoft Himalaya"/>
-        <a:font script="Thaa" typeface="MV Boli"/>
-        <a:font script="Deva" typeface="Mangal"/>
-        <a:font script="Telu" typeface="Gautami"/>
-        <a:font script="Taml" typeface="Latha"/>
-        <a:font script="Syrc" typeface="Estrangelo Edessa"/>
-        <a:font script="Orya" typeface="Kalinga"/>
-        <a:font script="Mlym" typeface="Kartika"/>
-        <a:font script="Laoo" typeface="DokChampa"/>
-        <a:font script="Sinh" typeface="Iskoola Pota"/>
-        <a:font script="Mong" typeface="Mongolian Baiti"/>
-        <a:font script="Viet" typeface="Arial"/>
-        <a:font script="Uigh" typeface="Microsoft Uighur"/>
-        <a:font script="Geor" typeface="Sylfaen"/>
-      </a:minorFont>
-    </a:fontScheme>
-    <a:fmtScheme name="Office">
-      <a:fillStyleLst>
-        <a:solidFill>
-          <a:schemeClr val="phClr"/>
-        </a:solidFill>
-        <a:gradFill rotWithShape="1">
-          <a:gsLst>
-            <a:gs pos="0">
-              <a:schemeClr val="phClr">
-                <a:tint val="50000"/>
-                <a:satMod val="300000"/>
-              </a:schemeClr>
-            </a:gs>
-            <a:gs pos="35000">
-              <a:schemeClr val="phClr">
-                <a:tint val="37000"/>
-                <a:satMod val="300000"/>
-              </a:schemeClr>
-            </a:gs>
-            <a:gs pos="100000">
-              <a:schemeClr val="phClr">
-                <a:tint val="15000"/>
-                <a:satMod val="350000"/>
-              </a:schemeClr>
-            </a:gs>
-          </a:gsLst>
-          <a:lin ang="16200000" scaled="1"/>
-        </a:gradFill>
-        <a:gradFill rotWithShape="1">
-          <a:gsLst>
-            <a:gs pos="0">
-              <a:schemeClr val="phClr">
-                <a:tint val="100000"/>
-                <a:shade val="100000"/>
-                <a:satMod val="130000"/>
-              </a:schemeClr>
-            </a:gs>
-            <a:gs pos="100000">
-              <a:schemeClr val="phClr">
-                <a:tint val="50000"/>
-                <a:shade val="100000"/>
-                <a:satMod val="350000"/>
-              </a:schemeClr>
-            </a:gs>
-          </a:gsLst>
-          <a:lin ang="16200000" scaled="0"/>
-        </a:gradFill>
-      </a:fillStyleLst>
-      <a:lnStyleLst>
-        <a:ln w="9525" cap="flat" cmpd="sng" algn="ctr">
-          <a:solidFill>
-            <a:schemeClr val="phClr">
-              <a:shade val="95000"/>
-              <a:satMod val="105000"/>
-            </a:schemeClr>
-          </a:solidFill>
-          <a:prstDash val="solid"/>
-        </a:ln>
-        <a:ln w="25400" cap="flat" cmpd="sng" algn="ctr">
-          <a:solidFill>
-            <a:schemeClr val="phClr"/>
-          </a:solidFill>
-          <a:prstDash val="solid"/>
-        </a:ln>
-        <a:ln w="38100" cap="flat" cmpd="sng" algn="ctr">
-          <a:solidFill>
-            <a:schemeClr val="phClr"/>
-          </a:solidFill>
-          <a:prstDash val="solid"/>
-        </a:ln>
-      </a:lnStyleLst>
-      <a:effectStyleLst>
-        <a:effectStyle>
-          <a:effectLst>
-            <a:outerShdw blurRad="40000" dist="20000" dir="5400000" rotWithShape="0">
-              <a:srgbClr val="000000">
-                <a:alpha val="38000"/>
-              </a:srgbClr>
-            </a:outerShdw>
-          </a:effectLst>
-        </a:effectStyle>
-        <a:effectStyle>
-          <a:effectLst>
-            <a:outerShdw blurRad="40000" dist="23000" dir="5400000" rotWithShape="0">
-              <a:srgbClr val="000000">
-                <a:alpha val="35000"/>
-              </a:srgbClr>
-            </a:outerShdw>
-          </a:effectLst>
-        </a:effectStyle>
-        <a:effectStyle>
-          <a:effectLst>
-            <a:outerShdw blurRad="40000" dist="23000" dir="5400000" rotWithShape="0">
-              <a:srgbClr val="000000">
-                <a:alpha val="35000"/>
-              </a:srgbClr>
-            </a:outerShdw>
-          </a:effectLst>
-          <a:scene3d>
-            <a:camera prst="orthographicFront">
-              <a:rot lat="0" lon="0" rev="0"/>
-            </a:camera>
-            <a:lightRig rig="threePt" dir="t">
-              <a:rot lat="0" lon="0" rev="1200000"/>
-            </a:lightRig>
-          </a:scene3d>
-          <a:sp3d>
-            <a:bevelT w="63500" h="25400"/>
-          </a:sp3d>
-        </a:effectStyle>
-      </a:effectStyleLst>
-      <a:bgFillStyleLst>
-        <a:solidFill>
-          <a:schemeClr val="phClr"/>
-        </a:solidFill>
-        <a:gradFill rotWithShape="1">
-          <a:gsLst>
-            <a:gs pos="0">
-              <a:schemeClr val="phClr">
-                <a:tint val="40000"/>
-                <a:satMod val="350000"/>
-              </a:schemeClr>
-            </a:gs>
-            <a:gs pos="40000">
-              <a:schemeClr val="phClr">
-                <a:tint val="45000"/>
-                <a:shade val="99000"/>
-                <a:satMod val="350000"/>
-              </a:schemeClr>
-            </a:gs>
-            <a:gs pos="100000">
-              <a:schemeClr val="phClr">
-                <a:shade val="20000"/>
-                <a:satMod val="255000"/>
-              </a:schemeClr>
-            </a:gs>
-          </a:gsLst>
-          <a:path path="circle">
-            <a:fillToRect l="50000" t="-80000" r="50000" b="180000"/>
-          </a:path>
-        </a:gradFill>
-        <a:gradFill rotWithShape="1">
-          <a:gsLst>
-            <a:gs pos="0">
-              <a:schemeClr val="phClr">
-                <a:tint val="80000"/>
-                <a:satMod val="300000"/>
-              </a:schemeClr>
-            </a:gs>
-            <a:gs pos="100000">
-              <a:schemeClr val="phClr">
-                <a:shade val="30000"/>
-                <a:satMod val="200000"/>
-              </a:schemeClr>
-            </a:gs>
-          </a:gsLst>
-          <a:path path="circle">
-            <a:fillToRect l="50000" t="50000" r="50000" b="50000"/>
-          </a:path>
-        </a:gradFill>
-      </a:bgFillStyleLst>
-    </a:fmtScheme>
-  </a:themeElements>
-</a:theme>
 </file>